--- a/Minimální kostra grafu.pptx
+++ b/Minimální kostra grafu.pptx
@@ -7,9 +7,10 @@
   <p:sldIdLst>
     <p:sldId id="256" r:id="rId2"/>
     <p:sldId id="257" r:id="rId3"/>
-    <p:sldId id="258" r:id="rId4"/>
-    <p:sldId id="259" r:id="rId5"/>
-    <p:sldId id="260" r:id="rId6"/>
+    <p:sldId id="261" r:id="rId4"/>
+    <p:sldId id="258" r:id="rId5"/>
+    <p:sldId id="259" r:id="rId6"/>
+    <p:sldId id="260" r:id="rId7"/>
   </p:sldIdLst>
   <p:sldSz cx="12192000" cy="6858000"/>
   <p:notesSz cx="6858000" cy="9144000"/>
@@ -108,6 +109,11 @@
       </a:defRPr>
     </a:lvl9pPr>
   </p:defaultTextStyle>
+  <p:extLst>
+    <p:ext uri="{EFAFB233-063F-42B5-8137-9DF3F51BA10A}">
+      <p15:sldGuideLst xmlns:p15="http://schemas.microsoft.com/office/powerpoint/2012/main"/>
+    </p:ext>
+  </p:extLst>
 </p:presentation>
 </file>
 
@@ -3184,8 +3190,8 @@
           </a:p>
         </p:txBody>
       </p:sp>
-      <mc:AlternateContent xmlns:mc="http://schemas.openxmlformats.org/markup-compatibility/2006">
-        <mc:Choice xmlns:p14="http://schemas.microsoft.com/office/powerpoint/2010/main" Requires="p14">
+      <mc:AlternateContent xmlns:mc="http://schemas.openxmlformats.org/markup-compatibility/2006" xmlns:p14="http://schemas.microsoft.com/office/powerpoint/2010/main">
+        <mc:Choice Requires="p14">
           <p:contentPart p14:bwMode="auto" r:id="rId14">
             <p14:nvContentPartPr>
               <p14:cNvPr id="18" name="Ink 17">
@@ -3204,7 +3210,7 @@
             </p14:xfrm>
           </p:contentPart>
         </mc:Choice>
-        <mc:Fallback>
+        <mc:Fallback xmlns="">
           <p:pic>
             <p:nvPicPr>
               <p:cNvPr id="18" name="Ink 17">
@@ -5629,7 +5635,7 @@
                 <a:latin typeface="Times New Roman" panose="02020603050405020304" pitchFamily="18" charset="0"/>
                 <a:cs typeface="Times New Roman" panose="02020603050405020304" pitchFamily="18" charset="0"/>
               </a:rPr>
-              <a:t>Algoritmus</a:t>
+              <a:t>Struktury</a:t>
             </a:r>
           </a:p>
           <a:p>
@@ -5643,21 +5649,7 @@
                 <a:latin typeface="Times New Roman" panose="02020603050405020304" pitchFamily="18" charset="0"/>
                 <a:cs typeface="Times New Roman" panose="02020603050405020304" pitchFamily="18" charset="0"/>
               </a:rPr>
-              <a:t>Uzel</a:t>
-            </a:r>
-          </a:p>
-          <a:p>
-            <a:pPr>
-              <a:buClr>
-                <a:schemeClr val="accent1"/>
-              </a:buClr>
-            </a:pPr>
-            <a:r>
-              <a:rPr lang="cs-CZ" sz="4400" dirty="0">
-                <a:latin typeface="Times New Roman" panose="02020603050405020304" pitchFamily="18" charset="0"/>
-                <a:cs typeface="Times New Roman" panose="02020603050405020304" pitchFamily="18" charset="0"/>
-              </a:rPr>
-              <a:t>Množina</a:t>
+              <a:t>Algoritmus</a:t>
             </a:r>
           </a:p>
           <a:p>
@@ -5711,7 +5703,7 @@
           <p:cNvPr id="2" name="Nadpis 1">
             <a:extLst>
               <a:ext uri="{FF2B5EF4-FFF2-40B4-BE49-F238E27FC236}">
-                <a16:creationId xmlns:a16="http://schemas.microsoft.com/office/drawing/2014/main" id="{133A66A6-C853-7E6C-A877-FEEF965A3A26}"/>
+                <a16:creationId xmlns:a16="http://schemas.microsoft.com/office/drawing/2014/main" id="{9A8E82E5-EDE0-42B2-2197-C1D1DC69F900}"/>
               </a:ext>
             </a:extLst>
           </p:cNvPr>
@@ -5730,8 +5722,8 @@
           <a:lstStyle/>
           <a:p>
             <a:r>
-              <a:rPr lang="cs-CZ" sz="4800" dirty="0"/>
-              <a:t>Algoritmus</a:t>
+              <a:rPr lang="cs-CZ" sz="4400" dirty="0"/>
+              <a:t>Struktury</a:t>
             </a:r>
           </a:p>
         </p:txBody>
@@ -5741,7 +5733,7 @@
           <p:cNvPr id="3" name="Zástupný obsah 2">
             <a:extLst>
               <a:ext uri="{FF2B5EF4-FFF2-40B4-BE49-F238E27FC236}">
-                <a16:creationId xmlns:a16="http://schemas.microsoft.com/office/drawing/2014/main" id="{4017FBBD-A0D8-2A0F-38C3-5F60EEC770C8}"/>
+                <a16:creationId xmlns:a16="http://schemas.microsoft.com/office/drawing/2014/main" id="{C708928E-D1C4-281F-2C9A-2EB0755CAAC5}"/>
               </a:ext>
             </a:extLst>
           </p:cNvPr>
@@ -5769,7 +5761,7 @@
                 <a:latin typeface="Times New Roman" panose="02020603050405020304" pitchFamily="18" charset="0"/>
                 <a:cs typeface="Times New Roman" panose="02020603050405020304" pitchFamily="18" charset="0"/>
               </a:rPr>
-              <a:t>Zvolený algoritmus a jeho náročnost</a:t>
+              <a:t>List</a:t>
             </a:r>
           </a:p>
           <a:p>
@@ -5783,7 +5775,7 @@
                 <a:latin typeface="Times New Roman" panose="02020603050405020304" pitchFamily="18" charset="0"/>
                 <a:cs typeface="Times New Roman" panose="02020603050405020304" pitchFamily="18" charset="0"/>
               </a:rPr>
-              <a:t>Potřebné struktury pro algoritmus</a:t>
+              <a:t>Uzel</a:t>
             </a:r>
           </a:p>
           <a:p>
@@ -5797,15 +5789,33 @@
                 <a:latin typeface="Times New Roman" panose="02020603050405020304" pitchFamily="18" charset="0"/>
                 <a:cs typeface="Times New Roman" panose="02020603050405020304" pitchFamily="18" charset="0"/>
               </a:rPr>
-              <a:t>Průběh algoritmu</a:t>
-            </a:r>
+              <a:t>Hrana</a:t>
+            </a:r>
+          </a:p>
+          <a:p>
+            <a:pPr>
+              <a:buClr>
+                <a:schemeClr val="accent1"/>
+              </a:buClr>
+            </a:pPr>
+            <a:r>
+              <a:rPr lang="cs-CZ" sz="4400">
+                <a:latin typeface="Times New Roman" panose="02020603050405020304" pitchFamily="18" charset="0"/>
+                <a:cs typeface="Times New Roman" panose="02020603050405020304" pitchFamily="18" charset="0"/>
+              </a:rPr>
+              <a:t>Množina</a:t>
+            </a:r>
+            <a:endParaRPr lang="cs-CZ" sz="4400" dirty="0">
+              <a:latin typeface="Times New Roman" panose="02020603050405020304" pitchFamily="18" charset="0"/>
+              <a:cs typeface="Times New Roman" panose="02020603050405020304" pitchFamily="18" charset="0"/>
+            </a:endParaRPr>
           </a:p>
         </p:txBody>
       </p:sp>
     </p:spTree>
     <p:extLst>
       <p:ext uri="{BB962C8B-B14F-4D97-AF65-F5344CB8AC3E}">
-        <p14:creationId xmlns:p14="http://schemas.microsoft.com/office/powerpoint/2010/main" val="2474669443"/>
+        <p14:creationId xmlns:p14="http://schemas.microsoft.com/office/powerpoint/2010/main" val="1730752087"/>
       </p:ext>
     </p:extLst>
   </p:cSld>
@@ -5837,6 +5847,132 @@
           <p:cNvPr id="2" name="Nadpis 1">
             <a:extLst>
               <a:ext uri="{FF2B5EF4-FFF2-40B4-BE49-F238E27FC236}">
+                <a16:creationId xmlns:a16="http://schemas.microsoft.com/office/drawing/2014/main" id="{133A66A6-C853-7E6C-A877-FEEF965A3A26}"/>
+              </a:ext>
+            </a:extLst>
+          </p:cNvPr>
+          <p:cNvSpPr>
+            <a:spLocks noGrp="1"/>
+          </p:cNvSpPr>
+          <p:nvPr>
+            <p:ph type="title"/>
+          </p:nvPr>
+        </p:nvSpPr>
+        <p:spPr/>
+        <p:txBody>
+          <a:bodyPr>
+            <a:normAutofit/>
+          </a:bodyPr>
+          <a:lstStyle/>
+          <a:p>
+            <a:r>
+              <a:rPr lang="cs-CZ" sz="4800" dirty="0"/>
+              <a:t>Algoritmus</a:t>
+            </a:r>
+          </a:p>
+        </p:txBody>
+      </p:sp>
+      <p:sp>
+        <p:nvSpPr>
+          <p:cNvPr id="3" name="Zástupný obsah 2">
+            <a:extLst>
+              <a:ext uri="{FF2B5EF4-FFF2-40B4-BE49-F238E27FC236}">
+                <a16:creationId xmlns:a16="http://schemas.microsoft.com/office/drawing/2014/main" id="{4017FBBD-A0D8-2A0F-38C3-5F60EEC770C8}"/>
+              </a:ext>
+            </a:extLst>
+          </p:cNvPr>
+          <p:cNvSpPr>
+            <a:spLocks noGrp="1"/>
+          </p:cNvSpPr>
+          <p:nvPr>
+            <p:ph idx="1"/>
+          </p:nvPr>
+        </p:nvSpPr>
+        <p:spPr/>
+        <p:txBody>
+          <a:bodyPr>
+            <a:normAutofit/>
+          </a:bodyPr>
+          <a:lstStyle/>
+          <a:p>
+            <a:pPr>
+              <a:buClr>
+                <a:schemeClr val="accent1"/>
+              </a:buClr>
+            </a:pPr>
+            <a:r>
+              <a:rPr lang="cs-CZ" sz="4400" dirty="0">
+                <a:latin typeface="Times New Roman" panose="02020603050405020304" pitchFamily="18" charset="0"/>
+                <a:cs typeface="Times New Roman" panose="02020603050405020304" pitchFamily="18" charset="0"/>
+              </a:rPr>
+              <a:t>Zvolený algoritmus a jeho náročnost</a:t>
+            </a:r>
+          </a:p>
+          <a:p>
+            <a:pPr>
+              <a:buClr>
+                <a:schemeClr val="accent1"/>
+              </a:buClr>
+            </a:pPr>
+            <a:r>
+              <a:rPr lang="cs-CZ" sz="4400" dirty="0">
+                <a:latin typeface="Times New Roman" panose="02020603050405020304" pitchFamily="18" charset="0"/>
+                <a:cs typeface="Times New Roman" panose="02020603050405020304" pitchFamily="18" charset="0"/>
+              </a:rPr>
+              <a:t>Potřebné struktury pro algoritmus</a:t>
+            </a:r>
+          </a:p>
+          <a:p>
+            <a:pPr>
+              <a:buClr>
+                <a:schemeClr val="accent1"/>
+              </a:buClr>
+            </a:pPr>
+            <a:r>
+              <a:rPr lang="cs-CZ" sz="4400" dirty="0">
+                <a:latin typeface="Times New Roman" panose="02020603050405020304" pitchFamily="18" charset="0"/>
+                <a:cs typeface="Times New Roman" panose="02020603050405020304" pitchFamily="18" charset="0"/>
+              </a:rPr>
+              <a:t>Průběh algoritmu</a:t>
+            </a:r>
+          </a:p>
+        </p:txBody>
+      </p:sp>
+    </p:spTree>
+    <p:extLst>
+      <p:ext uri="{BB962C8B-B14F-4D97-AF65-F5344CB8AC3E}">
+        <p14:creationId xmlns:p14="http://schemas.microsoft.com/office/powerpoint/2010/main" val="2474669443"/>
+      </p:ext>
+    </p:extLst>
+  </p:cSld>
+  <p:clrMapOvr>
+    <a:masterClrMapping/>
+  </p:clrMapOvr>
+</p:sld>
+</file>
+
+<file path=ppt/slides/slide5.xml><?xml version="1.0" encoding="utf-8"?>
+<p:sld xmlns:a="http://schemas.openxmlformats.org/drawingml/2006/main" xmlns:r="http://schemas.openxmlformats.org/officeDocument/2006/relationships" xmlns:p="http://schemas.openxmlformats.org/presentationml/2006/main">
+  <p:cSld>
+    <p:spTree>
+      <p:nvGrpSpPr>
+        <p:cNvPr id="1" name=""/>
+        <p:cNvGrpSpPr/>
+        <p:nvPr/>
+      </p:nvGrpSpPr>
+      <p:grpSpPr>
+        <a:xfrm>
+          <a:off x="0" y="0"/>
+          <a:ext cx="0" cy="0"/>
+          <a:chOff x="0" y="0"/>
+          <a:chExt cx="0" cy="0"/>
+        </a:xfrm>
+      </p:grpSpPr>
+      <p:sp>
+        <p:nvSpPr>
+          <p:cNvPr id="2" name="Nadpis 1">
+            <a:extLst>
+              <a:ext uri="{FF2B5EF4-FFF2-40B4-BE49-F238E27FC236}">
                 <a16:creationId xmlns:a16="http://schemas.microsoft.com/office/drawing/2014/main" id="{0123C57C-A46C-3F9F-5916-2162B5DC9036}"/>
               </a:ext>
             </a:extLst>
@@ -5941,7 +6077,7 @@
 </p:sld>
 </file>
 
-<file path=ppt/slides/slide5.xml><?xml version="1.0" encoding="utf-8"?>
+<file path=ppt/slides/slide6.xml><?xml version="1.0" encoding="utf-8"?>
 <p:sld xmlns:a="http://schemas.openxmlformats.org/drawingml/2006/main" xmlns:r="http://schemas.openxmlformats.org/officeDocument/2006/relationships" xmlns:p="http://schemas.openxmlformats.org/presentationml/2006/main">
   <p:cSld>
     <p:spTree>

--- a/Minimální kostra grafu.pptx
+++ b/Minimální kostra grafu.pptx
@@ -6118,11 +6118,18 @@
           <a:lstStyle/>
           <a:p>
             <a:r>
+              <a:rPr lang="cs-CZ" sz="5400">
+                <a:latin typeface="Times New Roman" panose="02020603050405020304" pitchFamily="18" charset="0"/>
+                <a:cs typeface="Times New Roman" panose="02020603050405020304" pitchFamily="18" charset="0"/>
+              </a:rPr>
+              <a:t>Děkuji </a:t>
+            </a:r>
+            <a:r>
               <a:rPr lang="cs-CZ" sz="5400" dirty="0">
                 <a:latin typeface="Times New Roman" panose="02020603050405020304" pitchFamily="18" charset="0"/>
                 <a:cs typeface="Times New Roman" panose="02020603050405020304" pitchFamily="18" charset="0"/>
               </a:rPr>
-              <a:t>Děkujeme za pozornost</a:t>
+              <a:t>za pozornost</a:t>
             </a:r>
           </a:p>
         </p:txBody>

--- a/Minimální kostra grafu.pptx
+++ b/Minimální kostra grafu.pptx
@@ -303,7 +303,7 @@
           <a:p>
             <a:fld id="{91F9259A-1FE3-4FF9-8A07-BDD8177164ED}" type="datetime4">
               <a:rPr lang="en-US" smtClean="0"/>
-              <a:t>December 6, 2023</a:t>
+              <a:t>December 7, 2023</a:t>
             </a:fld>
             <a:endParaRPr lang="en-US"/>
           </a:p>
@@ -478,7 +478,7 @@
           <a:p>
             <a:fld id="{E5CC3C8F-D4A7-4EAD-92AD-82C91CB8BB85}" type="datetime4">
               <a:rPr lang="en-US" smtClean="0"/>
-              <a:t>December 6, 2023</a:t>
+              <a:t>December 7, 2023</a:t>
             </a:fld>
             <a:endParaRPr lang="en-US"/>
           </a:p>
@@ -715,7 +715,7 @@
           <a:p>
             <a:fld id="{BC011D41-E33C-4BC7-8272-37E8417FD097}" type="datetime4">
               <a:rPr lang="en-US" smtClean="0"/>
-              <a:t>December 6, 2023</a:t>
+              <a:t>December 7, 2023</a:t>
             </a:fld>
             <a:endParaRPr lang="en-US"/>
           </a:p>
@@ -920,7 +920,7 @@
           <a:p>
             <a:fld id="{5D340FED-6E95-4177-A7EF-CD303B9E611D}" type="datetime4">
               <a:rPr lang="en-US" smtClean="0"/>
-              <a:t>December 6, 2023</a:t>
+              <a:t>December 7, 2023</a:t>
             </a:fld>
             <a:endParaRPr lang="en-US"/>
           </a:p>
@@ -1210,7 +1210,7 @@
           <a:p>
             <a:fld id="{477962CB-39AD-45A9-800F-54DAB53D6021}" type="datetime4">
               <a:rPr lang="en-US" smtClean="0"/>
-              <a:t>December 6, 2023</a:t>
+              <a:t>December 7, 2023</a:t>
             </a:fld>
             <a:endParaRPr lang="en-US"/>
           </a:p>
@@ -1494,7 +1494,7 @@
           <a:p>
             <a:fld id="{2DEDF93D-55AB-4606-B9D7-742F1FC51983}" type="datetime4">
               <a:rPr lang="en-US" smtClean="0"/>
-              <a:t>December 6, 2023</a:t>
+              <a:t>December 7, 2023</a:t>
             </a:fld>
             <a:endParaRPr lang="en-US" dirty="0"/>
           </a:p>
@@ -1911,7 +1911,7 @@
           <a:p>
             <a:fld id="{DDF2841D-FB5C-47AB-B2FF-32E855C1EA71}" type="datetime4">
               <a:rPr lang="en-US" smtClean="0"/>
-              <a:t>December 6, 2023</a:t>
+              <a:t>December 7, 2023</a:t>
             </a:fld>
             <a:endParaRPr lang="en-US"/>
           </a:p>
@@ -2052,7 +2052,7 @@
           <a:p>
             <a:fld id="{118537E9-D174-424D-BEE8-AFC4CA5F9F97}" type="datetime4">
               <a:rPr lang="en-US" smtClean="0"/>
-              <a:t>December 6, 2023</a:t>
+              <a:t>December 7, 2023</a:t>
             </a:fld>
             <a:endParaRPr lang="en-US"/>
           </a:p>
@@ -2193,7 +2193,7 @@
           <a:p>
             <a:fld id="{1C7A44C0-F7AC-49C2-8289-1E7A86D9FB50}" type="datetime4">
               <a:rPr lang="en-US" smtClean="0"/>
-              <a:t>December 6, 2023</a:t>
+              <a:t>December 7, 2023</a:t>
             </a:fld>
             <a:endParaRPr lang="en-US"/>
           </a:p>
@@ -2508,7 +2508,7 @@
           <a:p>
             <a:fld id="{73BB84BC-6E78-40D1-8831-40AB1F596614}" type="datetime4">
               <a:rPr lang="en-US" smtClean="0"/>
-              <a:t>December 6, 2023</a:t>
+              <a:t>December 7, 2023</a:t>
             </a:fld>
             <a:endParaRPr lang="en-US"/>
           </a:p>
@@ -2801,7 +2801,7 @@
           <a:p>
             <a:fld id="{ADFA080F-3961-4D42-BEDE-84A1FED032F1}" type="datetime4">
               <a:rPr lang="en-US" smtClean="0"/>
-              <a:t>December 6, 2023</a:t>
+              <a:t>December 7, 2023</a:t>
             </a:fld>
             <a:endParaRPr lang="en-US"/>
           </a:p>
@@ -3083,7 +3083,7 @@
             <a:fld id="{A33960BD-7AC1-4217-9611-AAA56D3EE38F}" type="datetime4">
               <a:rPr lang="en-US" smtClean="0"/>
               <a:pPr/>
-              <a:t>December 6, 2023</a:t>
+              <a:t>December 7, 2023</a:t>
             </a:fld>
             <a:endParaRPr lang="en-US" dirty="0">
               <a:latin typeface="+mn-lt"/>
@@ -5761,7 +5761,7 @@
                 <a:latin typeface="Times New Roman" panose="02020603050405020304" pitchFamily="18" charset="0"/>
                 <a:cs typeface="Times New Roman" panose="02020603050405020304" pitchFamily="18" charset="0"/>
               </a:rPr>
-              <a:t>List</a:t>
+              <a:t>Seznam</a:t>
             </a:r>
           </a:p>
           <a:p>
@@ -5799,16 +5799,12 @@
               </a:buClr>
             </a:pPr>
             <a:r>
-              <a:rPr lang="cs-CZ" sz="4400">
+              <a:rPr lang="cs-CZ" sz="4400" dirty="0">
                 <a:latin typeface="Times New Roman" panose="02020603050405020304" pitchFamily="18" charset="0"/>
                 <a:cs typeface="Times New Roman" panose="02020603050405020304" pitchFamily="18" charset="0"/>
               </a:rPr>
               <a:t>Množina</a:t>
             </a:r>
-            <a:endParaRPr lang="cs-CZ" sz="4400" dirty="0">
-              <a:latin typeface="Times New Roman" panose="02020603050405020304" pitchFamily="18" charset="0"/>
-              <a:cs typeface="Times New Roman" panose="02020603050405020304" pitchFamily="18" charset="0"/>
-            </a:endParaRPr>
           </a:p>
         </p:txBody>
       </p:sp>
